--- a/яПризентация диплом.pptx
+++ b/яПризентация диплом.pptx
@@ -14,8 +14,9 @@
     <p:sldId id="263" r:id="rId8"/>
     <p:sldId id="264" r:id="rId9"/>
     <p:sldId id="265" r:id="rId10"/>
-    <p:sldId id="266" r:id="rId11"/>
-    <p:sldId id="267" r:id="rId12"/>
+    <p:sldId id="268" r:id="rId11"/>
+    <p:sldId id="266" r:id="rId12"/>
+    <p:sldId id="267" r:id="rId13"/>
   </p:sldIdLst>
   <p:sldSz cx="12192000" cy="6858000"/>
   <p:notesSz cx="6858000" cy="9144000"/>
@@ -253,7 +254,7 @@
           <a:p>
             <a:fld id="{E9426D43-C556-40EB-AA9E-3DA581FAB869}" type="datetimeFigureOut">
               <a:rPr lang="ru-RU" smtClean="0"/>
-              <a:t>20.05.2023</a:t>
+              <a:t>19.06.2023</a:t>
             </a:fld>
             <a:endParaRPr lang="ru-RU"/>
           </a:p>
@@ -423,7 +424,7 @@
           <a:p>
             <a:fld id="{E9426D43-C556-40EB-AA9E-3DA581FAB869}" type="datetimeFigureOut">
               <a:rPr lang="ru-RU" smtClean="0"/>
-              <a:t>20.05.2023</a:t>
+              <a:t>19.06.2023</a:t>
             </a:fld>
             <a:endParaRPr lang="ru-RU"/>
           </a:p>
@@ -603,7 +604,7 @@
           <a:p>
             <a:fld id="{E9426D43-C556-40EB-AA9E-3DA581FAB869}" type="datetimeFigureOut">
               <a:rPr lang="ru-RU" smtClean="0"/>
-              <a:t>20.05.2023</a:t>
+              <a:t>19.06.2023</a:t>
             </a:fld>
             <a:endParaRPr lang="ru-RU"/>
           </a:p>
@@ -890,7 +891,7 @@
           <a:p>
             <a:fld id="{E9426D43-C556-40EB-AA9E-3DA581FAB869}" type="datetimeFigureOut">
               <a:rPr lang="ru-RU" smtClean="0"/>
-              <a:t>20.05.2023</a:t>
+              <a:t>19.06.2023</a:t>
             </a:fld>
             <a:endParaRPr lang="ru-RU"/>
           </a:p>
@@ -1102,7 +1103,7 @@
           <a:p>
             <a:fld id="{E9426D43-C556-40EB-AA9E-3DA581FAB869}" type="datetimeFigureOut">
               <a:rPr lang="ru-RU" smtClean="0"/>
-              <a:t>20.05.2023</a:t>
+              <a:t>19.06.2023</a:t>
             </a:fld>
             <a:endParaRPr lang="ru-RU"/>
           </a:p>
@@ -1445,7 +1446,7 @@
           <a:p>
             <a:fld id="{E9426D43-C556-40EB-AA9E-3DA581FAB869}" type="datetimeFigureOut">
               <a:rPr lang="ru-RU" smtClean="0"/>
-              <a:t>20.05.2023</a:t>
+              <a:t>19.06.2023</a:t>
             </a:fld>
             <a:endParaRPr lang="ru-RU"/>
           </a:p>
@@ -1720,7 +1721,7 @@
           <a:p>
             <a:fld id="{E9426D43-C556-40EB-AA9E-3DA581FAB869}" type="datetimeFigureOut">
               <a:rPr lang="ru-RU" smtClean="0"/>
-              <a:t>20.05.2023</a:t>
+              <a:t>19.06.2023</a:t>
             </a:fld>
             <a:endParaRPr lang="ru-RU"/>
           </a:p>
@@ -2099,7 +2100,7 @@
           <a:p>
             <a:fld id="{E9426D43-C556-40EB-AA9E-3DA581FAB869}" type="datetimeFigureOut">
               <a:rPr lang="ru-RU" smtClean="0"/>
-              <a:t>20.05.2023</a:t>
+              <a:t>19.06.2023</a:t>
             </a:fld>
             <a:endParaRPr lang="ru-RU"/>
           </a:p>
@@ -2217,7 +2218,7 @@
           <a:p>
             <a:fld id="{E9426D43-C556-40EB-AA9E-3DA581FAB869}" type="datetimeFigureOut">
               <a:rPr lang="ru-RU" smtClean="0"/>
-              <a:t>20.05.2023</a:t>
+              <a:t>19.06.2023</a:t>
             </a:fld>
             <a:endParaRPr lang="ru-RU"/>
           </a:p>
@@ -2388,7 +2389,7 @@
           <a:p>
             <a:fld id="{E9426D43-C556-40EB-AA9E-3DA581FAB869}" type="datetimeFigureOut">
               <a:rPr lang="ru-RU" smtClean="0"/>
-              <a:t>20.05.2023</a:t>
+              <a:t>19.06.2023</a:t>
             </a:fld>
             <a:endParaRPr lang="ru-RU"/>
           </a:p>
@@ -2742,7 +2743,7 @@
           <a:p>
             <a:fld id="{E9426D43-C556-40EB-AA9E-3DA581FAB869}" type="datetimeFigureOut">
               <a:rPr lang="ru-RU" smtClean="0"/>
-              <a:t>20.05.2023</a:t>
+              <a:t>19.06.2023</a:t>
             </a:fld>
             <a:endParaRPr lang="ru-RU"/>
           </a:p>
@@ -2933,7 +2934,7 @@
           <a:p>
             <a:fld id="{E9426D43-C556-40EB-AA9E-3DA581FAB869}" type="datetimeFigureOut">
               <a:rPr lang="ru-RU" smtClean="0"/>
-              <a:t>20.05.2023</a:t>
+              <a:t>19.06.2023</a:t>
             </a:fld>
             <a:endParaRPr lang="ru-RU"/>
           </a:p>
@@ -3294,7 +3295,7 @@
           <a:p>
             <a:fld id="{E9426D43-C556-40EB-AA9E-3DA581FAB869}" type="datetimeFigureOut">
               <a:rPr lang="ru-RU" smtClean="0"/>
-              <a:t>20.05.2023</a:t>
+              <a:t>19.06.2023</a:t>
             </a:fld>
             <a:endParaRPr lang="ru-RU"/>
           </a:p>
@@ -3464,7 +3465,7 @@
           <a:p>
             <a:fld id="{E9426D43-C556-40EB-AA9E-3DA581FAB869}" type="datetimeFigureOut">
               <a:rPr lang="ru-RU" smtClean="0"/>
-              <a:t>20.05.2023</a:t>
+              <a:t>19.06.2023</a:t>
             </a:fld>
             <a:endParaRPr lang="ru-RU"/>
           </a:p>
@@ -3720,7 +3721,7 @@
           <a:p>
             <a:fld id="{E9426D43-C556-40EB-AA9E-3DA581FAB869}" type="datetimeFigureOut">
               <a:rPr lang="ru-RU" smtClean="0"/>
-              <a:t>20.05.2023</a:t>
+              <a:t>19.06.2023</a:t>
             </a:fld>
             <a:endParaRPr lang="ru-RU"/>
           </a:p>
@@ -3966,7 +3967,7 @@
           <a:p>
             <a:fld id="{E9426D43-C556-40EB-AA9E-3DA581FAB869}" type="datetimeFigureOut">
               <a:rPr lang="ru-RU" smtClean="0"/>
-              <a:t>20.05.2023</a:t>
+              <a:t>19.06.2023</a:t>
             </a:fld>
             <a:endParaRPr lang="ru-RU"/>
           </a:p>
@@ -4198,7 +4199,7 @@
           <a:p>
             <a:fld id="{E9426D43-C556-40EB-AA9E-3DA581FAB869}" type="datetimeFigureOut">
               <a:rPr lang="ru-RU" smtClean="0"/>
-              <a:t>20.05.2023</a:t>
+              <a:t>19.06.2023</a:t>
             </a:fld>
             <a:endParaRPr lang="ru-RU"/>
           </a:p>
@@ -4565,7 +4566,7 @@
           <a:p>
             <a:fld id="{E9426D43-C556-40EB-AA9E-3DA581FAB869}" type="datetimeFigureOut">
               <a:rPr lang="ru-RU" smtClean="0"/>
-              <a:t>20.05.2023</a:t>
+              <a:t>19.06.2023</a:t>
             </a:fld>
             <a:endParaRPr lang="ru-RU"/>
           </a:p>
@@ -4683,7 +4684,7 @@
           <a:p>
             <a:fld id="{E9426D43-C556-40EB-AA9E-3DA581FAB869}" type="datetimeFigureOut">
               <a:rPr lang="ru-RU" smtClean="0"/>
-              <a:t>20.05.2023</a:t>
+              <a:t>19.06.2023</a:t>
             </a:fld>
             <a:endParaRPr lang="ru-RU"/>
           </a:p>
@@ -4778,7 +4779,7 @@
           <a:p>
             <a:fld id="{E9426D43-C556-40EB-AA9E-3DA581FAB869}" type="datetimeFigureOut">
               <a:rPr lang="ru-RU" smtClean="0"/>
-              <a:t>20.05.2023</a:t>
+              <a:t>19.06.2023</a:t>
             </a:fld>
             <a:endParaRPr lang="ru-RU"/>
           </a:p>
@@ -5055,7 +5056,7 @@
           <a:p>
             <a:fld id="{E9426D43-C556-40EB-AA9E-3DA581FAB869}" type="datetimeFigureOut">
               <a:rPr lang="ru-RU" smtClean="0"/>
-              <a:t>20.05.2023</a:t>
+              <a:t>19.06.2023</a:t>
             </a:fld>
             <a:endParaRPr lang="ru-RU"/>
           </a:p>
@@ -5308,7 +5309,7 @@
           <a:p>
             <a:fld id="{E9426D43-C556-40EB-AA9E-3DA581FAB869}" type="datetimeFigureOut">
               <a:rPr lang="ru-RU" smtClean="0"/>
-              <a:t>20.05.2023</a:t>
+              <a:t>19.06.2023</a:t>
             </a:fld>
             <a:endParaRPr lang="ru-RU"/>
           </a:p>
@@ -5521,7 +5522,7 @@
           <a:p>
             <a:fld id="{E9426D43-C556-40EB-AA9E-3DA581FAB869}" type="datetimeFigureOut">
               <a:rPr lang="ru-RU" smtClean="0"/>
-              <a:t>20.05.2023</a:t>
+              <a:t>19.06.2023</a:t>
             </a:fld>
             <a:endParaRPr lang="ru-RU"/>
           </a:p>
@@ -6135,7 +6136,7 @@
           <a:p>
             <a:fld id="{E9426D43-C556-40EB-AA9E-3DA581FAB869}" type="datetimeFigureOut">
               <a:rPr lang="ru-RU" smtClean="0"/>
-              <a:t>20.05.2023</a:t>
+              <a:t>19.06.2023</a:t>
             </a:fld>
             <a:endParaRPr lang="ru-RU"/>
           </a:p>
@@ -6830,6 +6831,179 @@
             <p:ph type="title"/>
           </p:nvPr>
         </p:nvSpPr>
+        <p:spPr/>
+        <p:txBody>
+          <a:bodyPr/>
+          <a:lstStyle/>
+          <a:p>
+            <a:r>
+              <a:rPr lang="ru-RU" dirty="0" smtClean="0">
+                <a:latin typeface="Bahnschrift Light" panose="020B0502040204020203" pitchFamily="34" charset="0"/>
+              </a:rPr>
+              <a:t>Экономическая часть</a:t>
+            </a:r>
+            <a:endParaRPr lang="ru-RU" dirty="0">
+              <a:latin typeface="Bahnschrift Light" panose="020B0502040204020203" pitchFamily="34" charset="0"/>
+            </a:endParaRPr>
+          </a:p>
+        </p:txBody>
+      </p:sp>
+      <p:pic>
+        <p:nvPicPr>
+          <p:cNvPr id="3" name="Рисунок 2"/>
+          <p:cNvPicPr>
+            <a:picLocks noChangeAspect="1"/>
+          </p:cNvPicPr>
+          <p:nvPr/>
+        </p:nvPicPr>
+        <p:blipFill>
+          <a:blip r:embed="rId2"/>
+          <a:stretch>
+            <a:fillRect/>
+          </a:stretch>
+        </p:blipFill>
+        <p:spPr>
+          <a:xfrm>
+            <a:off x="516263" y="2285149"/>
+            <a:ext cx="6249272" cy="2838846"/>
+          </a:xfrm>
+          <a:prstGeom prst="rect">
+            <a:avLst/>
+          </a:prstGeom>
+        </p:spPr>
+      </p:pic>
+      <p:sp>
+        <p:nvSpPr>
+          <p:cNvPr id="4" name="TextBox 3"/>
+          <p:cNvSpPr txBox="1"/>
+          <p:nvPr/>
+        </p:nvSpPr>
+        <p:spPr>
+          <a:xfrm>
+            <a:off x="2025042" y="1915817"/>
+            <a:ext cx="3231714" cy="369332"/>
+          </a:xfrm>
+          <a:prstGeom prst="rect">
+            <a:avLst/>
+          </a:prstGeom>
+          <a:noFill/>
+        </p:spPr>
+        <p:txBody>
+          <a:bodyPr wrap="square" rtlCol="0">
+            <a:spAutoFit/>
+          </a:bodyPr>
+          <a:lstStyle/>
+          <a:p>
+            <a:r>
+              <a:rPr lang="ru-RU" dirty="0" smtClean="0">
+                <a:latin typeface="Bahnschrift" panose="020B0502040204020203" pitchFamily="34" charset="0"/>
+              </a:rPr>
+              <a:t>Сумма затрат на разработку</a:t>
+            </a:r>
+            <a:endParaRPr lang="ru-RU" dirty="0">
+              <a:latin typeface="Bahnschrift" panose="020B0502040204020203" pitchFamily="34" charset="0"/>
+            </a:endParaRPr>
+          </a:p>
+        </p:txBody>
+      </p:sp>
+      <p:sp>
+        <p:nvSpPr>
+          <p:cNvPr id="5" name="TextBox 4"/>
+          <p:cNvSpPr txBox="1"/>
+          <p:nvPr/>
+        </p:nvSpPr>
+        <p:spPr>
+          <a:xfrm>
+            <a:off x="7576943" y="2863617"/>
+            <a:ext cx="3459792" cy="369332"/>
+          </a:xfrm>
+          <a:prstGeom prst="rect">
+            <a:avLst/>
+          </a:prstGeom>
+          <a:noFill/>
+        </p:spPr>
+        <p:txBody>
+          <a:bodyPr wrap="square" rtlCol="0">
+            <a:spAutoFit/>
+          </a:bodyPr>
+          <a:lstStyle/>
+          <a:p>
+            <a:r>
+              <a:rPr lang="ru-RU" dirty="0" smtClean="0">
+                <a:latin typeface="Bahnschrift" panose="020B0502040204020203" pitchFamily="34" charset="0"/>
+              </a:rPr>
+              <a:t>Сводная таблица показателей</a:t>
+            </a:r>
+            <a:endParaRPr lang="ru-RU" dirty="0">
+              <a:latin typeface="Bahnschrift" panose="020B0502040204020203" pitchFamily="34" charset="0"/>
+            </a:endParaRPr>
+          </a:p>
+        </p:txBody>
+      </p:sp>
+      <p:pic>
+        <p:nvPicPr>
+          <p:cNvPr id="6" name="Рисунок 5"/>
+          <p:cNvPicPr>
+            <a:picLocks noChangeAspect="1"/>
+          </p:cNvPicPr>
+          <p:nvPr/>
+        </p:nvPicPr>
+        <p:blipFill>
+          <a:blip r:embed="rId3"/>
+          <a:stretch>
+            <a:fillRect/>
+          </a:stretch>
+        </p:blipFill>
+        <p:spPr>
+          <a:xfrm>
+            <a:off x="6765535" y="3232949"/>
+            <a:ext cx="5082608" cy="943245"/>
+          </a:xfrm>
+          <a:prstGeom prst="rect">
+            <a:avLst/>
+          </a:prstGeom>
+        </p:spPr>
+      </p:pic>
+    </p:spTree>
+    <p:extLst>
+      <p:ext uri="{BB962C8B-B14F-4D97-AF65-F5344CB8AC3E}">
+        <p14:creationId xmlns:p14="http://schemas.microsoft.com/office/powerpoint/2010/main" val="4030873469"/>
+      </p:ext>
+    </p:extLst>
+  </p:cSld>
+  <p:clrMapOvr>
+    <a:masterClrMapping/>
+  </p:clrMapOvr>
+</p:sld>
+</file>
+
+<file path=ppt/slides/slide11.xml><?xml version="1.0" encoding="utf-8"?>
+<p:sld xmlns:a="http://schemas.openxmlformats.org/drawingml/2006/main" xmlns:r="http://schemas.openxmlformats.org/officeDocument/2006/relationships" xmlns:p="http://schemas.openxmlformats.org/presentationml/2006/main">
+  <p:cSld>
+    <p:spTree>
+      <p:nvGrpSpPr>
+        <p:cNvPr id="1" name=""/>
+        <p:cNvGrpSpPr/>
+        <p:nvPr/>
+      </p:nvGrpSpPr>
+      <p:grpSpPr>
+        <a:xfrm>
+          <a:off x="0" y="0"/>
+          <a:ext cx="0" cy="0"/>
+          <a:chOff x="0" y="0"/>
+          <a:chExt cx="0" cy="0"/>
+        </a:xfrm>
+      </p:grpSpPr>
+      <p:sp>
+        <p:nvSpPr>
+          <p:cNvPr id="2" name="Заголовок 1"/>
+          <p:cNvSpPr>
+            <a:spLocks noGrp="1"/>
+          </p:cNvSpPr>
+          <p:nvPr>
+            <p:ph type="title"/>
+          </p:nvPr>
+        </p:nvSpPr>
         <p:spPr>
           <a:xfrm>
             <a:off x="0" y="0"/>
@@ -6851,13 +7025,7 @@
               <a:rPr lang="ru-RU" smtClean="0">
                 <a:latin typeface="Bahnschrift Light" panose="020B0502040204020203" pitchFamily="34" charset="0"/>
               </a:rPr>
-              <a:t>за </a:t>
-            </a:r>
-            <a:r>
-              <a:rPr lang="ru-RU" smtClean="0">
-                <a:latin typeface="Bahnschrift Light" panose="020B0502040204020203" pitchFamily="34" charset="0"/>
-              </a:rPr>
-              <a:t>внимание</a:t>
+              <a:t>за внимание</a:t>
             </a:r>
             <a:endParaRPr lang="ru-RU" dirty="0">
               <a:latin typeface="Bahnschrift Light" panose="020B0502040204020203" pitchFamily="34" charset="0"/>
@@ -7068,7 +7236,7 @@
               <a:rPr lang="ru-RU" dirty="0" smtClean="0">
                 <a:latin typeface="Bahnschrift Light" panose="020B0502040204020203" pitchFamily="34" charset="0"/>
               </a:rPr>
-              <a:t>Цель</a:t>
+              <a:t>Цели</a:t>
             </a:r>
             <a:r>
               <a:rPr lang="ru-RU" dirty="0" smtClean="0"/>
@@ -7080,38 +7248,232 @@
       </p:sp>
       <p:sp>
         <p:nvSpPr>
-          <p:cNvPr id="3" name="Объект 2"/>
-          <p:cNvSpPr>
-            <a:spLocks noGrp="1"/>
-          </p:cNvSpPr>
-          <p:nvPr>
-            <p:ph idx="1"/>
-          </p:nvPr>
+          <p:cNvPr id="5" name="Объект 2"/>
+          <p:cNvSpPr txBox="1">
+            <a:spLocks/>
+          </p:cNvSpPr>
+          <p:nvPr/>
         </p:nvSpPr>
         <p:spPr>
           <a:xfrm>
             <a:off x="1596042" y="1690688"/>
-            <a:ext cx="9192491" cy="4351338"/>
-          </a:xfrm>
-        </p:spPr>
-        <p:txBody>
-          <a:bodyPr>
+            <a:ext cx="9900460" cy="2906364"/>
+          </a:xfrm>
+          <a:prstGeom prst="rect">
+            <a:avLst/>
+          </a:prstGeom>
+        </p:spPr>
+        <p:txBody>
+          <a:bodyPr vert="horz" lIns="91440" tIns="45720" rIns="91440" bIns="45720" rtlCol="0">
             <a:normAutofit/>
           </a:bodyPr>
-          <a:lstStyle/>
-          <a:p>
-            <a:pPr marL="0" indent="0">
-              <a:buNone/>
-            </a:pPr>
+          <a:lstStyle>
+            <a:lvl1pPr marL="228600" indent="-228600" algn="l" defTabSz="914400" rtl="0" eaLnBrk="1" latinLnBrk="0" hangingPunct="1">
+              <a:lnSpc>
+                <a:spcPct val="90000"/>
+              </a:lnSpc>
+              <a:spcBef>
+                <a:spcPts val="1000"/>
+              </a:spcBef>
+              <a:buFont typeface="Arial" panose="020B0604020202020204" pitchFamily="34" charset="0"/>
+              <a:buChar char="•"/>
+              <a:defRPr sz="2800" kern="1200">
+                <a:solidFill>
+                  <a:schemeClr val="tx1"/>
+                </a:solidFill>
+                <a:latin typeface="+mn-lt"/>
+                <a:ea typeface="+mn-ea"/>
+                <a:cs typeface="+mn-cs"/>
+              </a:defRPr>
+            </a:lvl1pPr>
+            <a:lvl2pPr marL="685800" indent="-228600" algn="l" defTabSz="914400" rtl="0" eaLnBrk="1" latinLnBrk="0" hangingPunct="1">
+              <a:lnSpc>
+                <a:spcPct val="90000"/>
+              </a:lnSpc>
+              <a:spcBef>
+                <a:spcPts val="500"/>
+              </a:spcBef>
+              <a:buFont typeface="Arial" panose="020B0604020202020204" pitchFamily="34" charset="0"/>
+              <a:buChar char="•"/>
+              <a:defRPr sz="2400" kern="1200">
+                <a:solidFill>
+                  <a:schemeClr val="tx1"/>
+                </a:solidFill>
+                <a:latin typeface="+mn-lt"/>
+                <a:ea typeface="+mn-ea"/>
+                <a:cs typeface="+mn-cs"/>
+              </a:defRPr>
+            </a:lvl2pPr>
+            <a:lvl3pPr marL="1143000" indent="-228600" algn="l" defTabSz="914400" rtl="0" eaLnBrk="1" latinLnBrk="0" hangingPunct="1">
+              <a:lnSpc>
+                <a:spcPct val="90000"/>
+              </a:lnSpc>
+              <a:spcBef>
+                <a:spcPts val="500"/>
+              </a:spcBef>
+              <a:buFont typeface="Arial" panose="020B0604020202020204" pitchFamily="34" charset="0"/>
+              <a:buChar char="•"/>
+              <a:defRPr sz="2000" kern="1200">
+                <a:solidFill>
+                  <a:schemeClr val="tx1"/>
+                </a:solidFill>
+                <a:latin typeface="+mn-lt"/>
+                <a:ea typeface="+mn-ea"/>
+                <a:cs typeface="+mn-cs"/>
+              </a:defRPr>
+            </a:lvl3pPr>
+            <a:lvl4pPr marL="1600200" indent="-228600" algn="l" defTabSz="914400" rtl="0" eaLnBrk="1" latinLnBrk="0" hangingPunct="1">
+              <a:lnSpc>
+                <a:spcPct val="90000"/>
+              </a:lnSpc>
+              <a:spcBef>
+                <a:spcPts val="500"/>
+              </a:spcBef>
+              <a:buFont typeface="Arial" panose="020B0604020202020204" pitchFamily="34" charset="0"/>
+              <a:buChar char="•"/>
+              <a:defRPr sz="1800" kern="1200">
+                <a:solidFill>
+                  <a:schemeClr val="tx1"/>
+                </a:solidFill>
+                <a:latin typeface="+mn-lt"/>
+                <a:ea typeface="+mn-ea"/>
+                <a:cs typeface="+mn-cs"/>
+              </a:defRPr>
+            </a:lvl4pPr>
+            <a:lvl5pPr marL="2057400" indent="-228600" algn="l" defTabSz="914400" rtl="0" eaLnBrk="1" latinLnBrk="0" hangingPunct="1">
+              <a:lnSpc>
+                <a:spcPct val="90000"/>
+              </a:lnSpc>
+              <a:spcBef>
+                <a:spcPts val="500"/>
+              </a:spcBef>
+              <a:buFont typeface="Arial" panose="020B0604020202020204" pitchFamily="34" charset="0"/>
+              <a:buChar char="•"/>
+              <a:defRPr sz="1800" kern="1200">
+                <a:solidFill>
+                  <a:schemeClr val="tx1"/>
+                </a:solidFill>
+                <a:latin typeface="+mn-lt"/>
+                <a:ea typeface="+mn-ea"/>
+                <a:cs typeface="+mn-cs"/>
+              </a:defRPr>
+            </a:lvl5pPr>
+            <a:lvl6pPr marL="2514600" indent="-228600" algn="l" defTabSz="914400" rtl="0" eaLnBrk="1" latinLnBrk="0" hangingPunct="1">
+              <a:lnSpc>
+                <a:spcPct val="90000"/>
+              </a:lnSpc>
+              <a:spcBef>
+                <a:spcPts val="500"/>
+              </a:spcBef>
+              <a:buFont typeface="Arial" panose="020B0604020202020204" pitchFamily="34" charset="0"/>
+              <a:buChar char="•"/>
+              <a:defRPr sz="1800" kern="1200">
+                <a:solidFill>
+                  <a:schemeClr val="tx1"/>
+                </a:solidFill>
+                <a:latin typeface="+mn-lt"/>
+                <a:ea typeface="+mn-ea"/>
+                <a:cs typeface="+mn-cs"/>
+              </a:defRPr>
+            </a:lvl6pPr>
+            <a:lvl7pPr marL="2971800" indent="-228600" algn="l" defTabSz="914400" rtl="0" eaLnBrk="1" latinLnBrk="0" hangingPunct="1">
+              <a:lnSpc>
+                <a:spcPct val="90000"/>
+              </a:lnSpc>
+              <a:spcBef>
+                <a:spcPts val="500"/>
+              </a:spcBef>
+              <a:buFont typeface="Arial" panose="020B0604020202020204" pitchFamily="34" charset="0"/>
+              <a:buChar char="•"/>
+              <a:defRPr sz="1800" kern="1200">
+                <a:solidFill>
+                  <a:schemeClr val="tx1"/>
+                </a:solidFill>
+                <a:latin typeface="+mn-lt"/>
+                <a:ea typeface="+mn-ea"/>
+                <a:cs typeface="+mn-cs"/>
+              </a:defRPr>
+            </a:lvl7pPr>
+            <a:lvl8pPr marL="3429000" indent="-228600" algn="l" defTabSz="914400" rtl="0" eaLnBrk="1" latinLnBrk="0" hangingPunct="1">
+              <a:lnSpc>
+                <a:spcPct val="90000"/>
+              </a:lnSpc>
+              <a:spcBef>
+                <a:spcPts val="500"/>
+              </a:spcBef>
+              <a:buFont typeface="Arial" panose="020B0604020202020204" pitchFamily="34" charset="0"/>
+              <a:buChar char="•"/>
+              <a:defRPr sz="1800" kern="1200">
+                <a:solidFill>
+                  <a:schemeClr val="tx1"/>
+                </a:solidFill>
+                <a:latin typeface="+mn-lt"/>
+                <a:ea typeface="+mn-ea"/>
+                <a:cs typeface="+mn-cs"/>
+              </a:defRPr>
+            </a:lvl8pPr>
+            <a:lvl9pPr marL="3886200" indent="-228600" algn="l" defTabSz="914400" rtl="0" eaLnBrk="1" latinLnBrk="0" hangingPunct="1">
+              <a:lnSpc>
+                <a:spcPct val="90000"/>
+              </a:lnSpc>
+              <a:spcBef>
+                <a:spcPts val="500"/>
+              </a:spcBef>
+              <a:buFont typeface="Arial" panose="020B0604020202020204" pitchFamily="34" charset="0"/>
+              <a:buChar char="•"/>
+              <a:defRPr sz="1800" kern="1200">
+                <a:solidFill>
+                  <a:schemeClr val="tx1"/>
+                </a:solidFill>
+                <a:latin typeface="+mn-lt"/>
+                <a:ea typeface="+mn-ea"/>
+                <a:cs typeface="+mn-cs"/>
+              </a:defRPr>
+            </a:lvl9pPr>
+          </a:lstStyle>
+          <a:p>
+            <a:r>
+              <a:rPr lang="ru-RU" sz="2400" dirty="0">
+                <a:latin typeface="Bahnschrift Light" panose="020B0502040204020203" pitchFamily="34" charset="0"/>
+              </a:rPr>
+              <a:t>разработать функциональный и эффективный мессенджер;</a:t>
+            </a:r>
+          </a:p>
+          <a:p>
             <a:r>
               <a:rPr lang="ru-RU" sz="2400" dirty="0" smtClean="0">
                 <a:latin typeface="Bahnschrift Light" panose="020B0502040204020203" pitchFamily="34" charset="0"/>
               </a:rPr>
-              <a:t>В качестве цели дипломного проекта было выбрано создание программного продукта, в данном случае корпоративного мессенджера, который был бы удобен компании и закрывал её потребности.</a:t>
-            </a:r>
-            <a:endParaRPr lang="ru-RU" sz="2400" dirty="0">
-              <a:latin typeface="Bahnschrift Light" panose="020B0502040204020203" pitchFamily="34" charset="0"/>
-            </a:endParaRPr>
+              <a:t>создать </a:t>
+            </a:r>
+            <a:r>
+              <a:rPr lang="ru-RU" sz="2400" dirty="0">
+                <a:latin typeface="Bahnschrift Light" panose="020B0502040204020203" pitchFamily="34" charset="0"/>
+              </a:rPr>
+              <a:t>удобный и интуитивно понятный пользовательский интерфейс;</a:t>
+            </a:r>
+          </a:p>
+          <a:p>
+            <a:r>
+              <a:rPr lang="ru-RU" sz="2400" dirty="0" smtClean="0">
+                <a:latin typeface="Bahnschrift Light" panose="020B0502040204020203" pitchFamily="34" charset="0"/>
+              </a:rPr>
+              <a:t>обеспечить </a:t>
+            </a:r>
+            <a:r>
+              <a:rPr lang="ru-RU" sz="2400" dirty="0">
+                <a:latin typeface="Bahnschrift Light" panose="020B0502040204020203" pitchFamily="34" charset="0"/>
+              </a:rPr>
+              <a:t>безопасность и конфиденциальность данных, хранящихся в </a:t>
+            </a:r>
+          </a:p>
+          <a:p>
+            <a:r>
+              <a:rPr lang="ru-RU" sz="2400" dirty="0">
+                <a:latin typeface="Bahnschrift Light" panose="020B0502040204020203" pitchFamily="34" charset="0"/>
+              </a:rPr>
+              <a:t>системе, чтобы предотвратить несанкционированный доступ и утечку информации.</a:t>
+            </a:r>
           </a:p>
         </p:txBody>
       </p:sp>
@@ -7192,15 +7554,29 @@
         </p:spPr>
         <p:txBody>
           <a:bodyPr>
-            <a:normAutofit/>
+            <a:normAutofit fontScale="92500"/>
           </a:bodyPr>
           <a:lstStyle/>
+          <a:p>
+            <a:r>
+              <a:rPr lang="ru-RU" sz="2400" dirty="0">
+                <a:latin typeface="Bahnschrift Light" panose="020B0502040204020203" pitchFamily="34" charset="0"/>
+              </a:rPr>
+              <a:t>изучение существующих приложений;</a:t>
+            </a:r>
+          </a:p>
           <a:p>
             <a:r>
               <a:rPr lang="ru-RU" sz="2400" dirty="0" smtClean="0">
                 <a:latin typeface="Bahnschrift Light" panose="020B0502040204020203" pitchFamily="34" charset="0"/>
               </a:rPr>
-              <a:t>анализ предметной области;</a:t>
+              <a:t>определение </a:t>
+            </a:r>
+            <a:r>
+              <a:rPr lang="ru-RU" sz="2400" dirty="0">
+                <a:latin typeface="Bahnschrift Light" panose="020B0502040204020203" pitchFamily="34" charset="0"/>
+              </a:rPr>
+              <a:t>требований и потребностей предприятия;</a:t>
             </a:r>
           </a:p>
           <a:p>
@@ -7208,18 +7584,35 @@
               <a:rPr lang="ru-RU" sz="2400" dirty="0" smtClean="0">
                 <a:latin typeface="Bahnschrift Light" panose="020B0502040204020203" pitchFamily="34" charset="0"/>
               </a:rPr>
-              <a:t>создание базы данных, в которой будет хранится информация</a:t>
-            </a:r>
-            <a:endParaRPr lang="ru-RU" sz="2400" dirty="0">
-              <a:latin typeface="Bahnschrift Light" panose="020B0502040204020203" pitchFamily="34" charset="0"/>
-            </a:endParaRPr>
+              <a:t>проектирование </a:t>
+            </a:r>
+            <a:r>
+              <a:rPr lang="ru-RU" sz="2400" dirty="0">
+                <a:latin typeface="Bahnschrift Light" panose="020B0502040204020203" pitchFamily="34" charset="0"/>
+              </a:rPr>
+              <a:t>архитектуры и структуры системы, включая определение </a:t>
+            </a:r>
+          </a:p>
+          <a:p>
+            <a:r>
+              <a:rPr lang="ru-RU" sz="2400" dirty="0">
+                <a:latin typeface="Bahnschrift Light" panose="020B0502040204020203" pitchFamily="34" charset="0"/>
+              </a:rPr>
+              <a:t>базы данных, интерфейсов пользователя и функциональных модулей;</a:t>
+            </a:r>
           </a:p>
           <a:p>
             <a:r>
               <a:rPr lang="ru-RU" sz="2400" dirty="0" smtClean="0">
                 <a:latin typeface="Bahnschrift Light" panose="020B0502040204020203" pitchFamily="34" charset="0"/>
               </a:rPr>
-              <a:t>разработка стороны обрабатывающей данные;</a:t>
+              <a:t>создание </a:t>
+            </a:r>
+            <a:r>
+              <a:rPr lang="ru-RU" sz="2400" dirty="0">
+                <a:latin typeface="Bahnschrift Light" panose="020B0502040204020203" pitchFamily="34" charset="0"/>
+              </a:rPr>
+              <a:t>пользовательского интерфейса;</a:t>
             </a:r>
           </a:p>
           <a:p>
@@ -7227,10 +7620,54 @@
               <a:rPr lang="ru-RU" sz="2400" dirty="0" smtClean="0">
                 <a:latin typeface="Bahnschrift Light" panose="020B0502040204020203" pitchFamily="34" charset="0"/>
               </a:rPr>
-              <a:t>проектирование интерфейса и реализация его в приложении.</a:t>
-            </a:r>
-          </a:p>
-          <a:p>
+              <a:t>разработка </a:t>
+            </a:r>
+            <a:r>
+              <a:rPr lang="ru-RU" sz="2400" dirty="0">
+                <a:latin typeface="Bahnschrift Light" panose="020B0502040204020203" pitchFamily="34" charset="0"/>
+              </a:rPr>
+              <a:t>механизмов безопасности и конфиденциальности данных, </a:t>
+            </a:r>
+          </a:p>
+          <a:p>
+            <a:r>
+              <a:rPr lang="ru-RU" sz="2400" dirty="0">
+                <a:latin typeface="Bahnschrift Light" panose="020B0502040204020203" pitchFamily="34" charset="0"/>
+              </a:rPr>
+              <a:t>включая аутентификацию пользователей и контроль доступа;</a:t>
+            </a:r>
+          </a:p>
+          <a:p>
+            <a:r>
+              <a:rPr lang="ru-RU" sz="2400" dirty="0" smtClean="0">
+                <a:latin typeface="Bahnschrift Light" panose="020B0502040204020203" pitchFamily="34" charset="0"/>
+              </a:rPr>
+              <a:t>проведение </a:t>
+            </a:r>
+            <a:r>
+              <a:rPr lang="ru-RU" sz="2400" dirty="0">
+                <a:latin typeface="Bahnschrift Light" panose="020B0502040204020203" pitchFamily="34" charset="0"/>
+              </a:rPr>
+              <a:t>тестирования системы, включая проверку </a:t>
+            </a:r>
+            <a:r>
+              <a:rPr lang="ru-RU" sz="2400" dirty="0" smtClean="0">
+                <a:latin typeface="Bahnschrift Light" panose="020B0502040204020203" pitchFamily="34" charset="0"/>
+              </a:rPr>
+              <a:t>ее функциональности</a:t>
+            </a:r>
+            <a:r>
+              <a:rPr lang="ru-RU" sz="2400" dirty="0">
+                <a:latin typeface="Bahnschrift Light" panose="020B0502040204020203" pitchFamily="34" charset="0"/>
+              </a:rPr>
+              <a:t>, надежности и соответствия требованиям </a:t>
+            </a:r>
+            <a:r>
+              <a:rPr lang="ru-RU" sz="2400" dirty="0" smtClean="0">
+                <a:latin typeface="Bahnschrift Light" panose="020B0502040204020203" pitchFamily="34" charset="0"/>
+              </a:rPr>
+              <a:t>предприятия</a:t>
+            </a:r>
             <a:endParaRPr lang="ru-RU" sz="2400" dirty="0">
               <a:latin typeface="Bahnschrift Light" panose="020B0502040204020203" pitchFamily="34" charset="0"/>
             </a:endParaRPr>
@@ -7643,6 +8080,34 @@
           </a:prstGeom>
         </p:spPr>
       </p:pic>
+      <p:pic>
+        <p:nvPicPr>
+          <p:cNvPr id="8" name="Рисунок 7"/>
+          <p:cNvPicPr/>
+          <p:nvPr/>
+        </p:nvPicPr>
+        <p:blipFill>
+          <a:blip r:embed="rId4">
+            <a:extLst>
+              <a:ext uri="{28A0092B-C50C-407E-A947-70E740481C1C}">
+                <a14:useLocalDpi xmlns:a14="http://schemas.microsoft.com/office/drawing/2010/main" val="0"/>
+              </a:ext>
+            </a:extLst>
+          </a:blip>
+          <a:stretch>
+            <a:fillRect/>
+          </a:stretch>
+        </p:blipFill>
+        <p:spPr>
+          <a:xfrm>
+            <a:off x="9144000" y="1257248"/>
+            <a:ext cx="2209800" cy="561975"/>
+          </a:xfrm>
+          <a:prstGeom prst="rect">
+            <a:avLst/>
+          </a:prstGeom>
+        </p:spPr>
+      </p:pic>
     </p:spTree>
     <p:extLst>
       <p:ext uri="{BB962C8B-B14F-4D97-AF65-F5344CB8AC3E}">
@@ -7673,37 +8138,66 @@
           <a:chExt cx="0" cy="0"/>
         </a:xfrm>
       </p:grpSpPr>
-      <p:sp>
-        <p:nvSpPr>
-          <p:cNvPr id="2" name="Заголовок 1"/>
-          <p:cNvSpPr>
-            <a:spLocks noGrp="1"/>
-          </p:cNvSpPr>
-          <p:nvPr>
-            <p:ph type="title"/>
-          </p:nvPr>
-        </p:nvSpPr>
-        <p:spPr/>
-        <p:txBody>
-          <a:bodyPr/>
-          <a:lstStyle/>
-          <a:p>
-            <a:r>
-              <a:rPr lang="ru-RU" dirty="0" smtClean="0">
-                <a:latin typeface="Bahnschrift Light" panose="020B0502040204020203" pitchFamily="34" charset="0"/>
-              </a:rPr>
-              <a:t>Экономическая часть</a:t>
-            </a:r>
-            <a:endParaRPr lang="ru-RU" dirty="0">
-              <a:latin typeface="Bahnschrift Light" panose="020B0502040204020203" pitchFamily="34" charset="0"/>
-            </a:endParaRPr>
-          </a:p>
-        </p:txBody>
-      </p:sp>
+      <p:pic>
+        <p:nvPicPr>
+          <p:cNvPr id="4" name="Рисунок 3"/>
+          <p:cNvPicPr/>
+          <p:nvPr/>
+        </p:nvPicPr>
+        <p:blipFill>
+          <a:blip r:embed="rId2">
+            <a:extLst>
+              <a:ext uri="{28A0092B-C50C-407E-A947-70E740481C1C}">
+                <a14:useLocalDpi xmlns:a14="http://schemas.microsoft.com/office/drawing/2010/main" val="0"/>
+              </a:ext>
+            </a:extLst>
+          </a:blip>
+          <a:stretch>
+            <a:fillRect/>
+          </a:stretch>
+        </p:blipFill>
+        <p:spPr>
+          <a:xfrm>
+            <a:off x="6181865" y="2137689"/>
+            <a:ext cx="4563110" cy="2743200"/>
+          </a:xfrm>
+          <a:prstGeom prst="rect">
+            <a:avLst/>
+          </a:prstGeom>
+        </p:spPr>
+      </p:pic>
+      <p:pic>
+        <p:nvPicPr>
+          <p:cNvPr id="5" name="Рисунок 4"/>
+          <p:cNvPicPr/>
+          <p:nvPr/>
+        </p:nvPicPr>
+        <p:blipFill>
+          <a:blip r:embed="rId3">
+            <a:extLst>
+              <a:ext uri="{28A0092B-C50C-407E-A947-70E740481C1C}">
+                <a14:useLocalDpi xmlns:a14="http://schemas.microsoft.com/office/drawing/2010/main" val="0"/>
+              </a:ext>
+            </a:extLst>
+          </a:blip>
+          <a:stretch>
+            <a:fillRect/>
+          </a:stretch>
+        </p:blipFill>
+        <p:spPr>
+          <a:xfrm>
+            <a:off x="600244" y="2090242"/>
+            <a:ext cx="4752546" cy="2838093"/>
+          </a:xfrm>
+          <a:prstGeom prst="rect">
+            <a:avLst/>
+          </a:prstGeom>
+        </p:spPr>
+      </p:pic>
     </p:spTree>
     <p:extLst>
       <p:ext uri="{BB962C8B-B14F-4D97-AF65-F5344CB8AC3E}">
-        <p14:creationId xmlns:p14="http://schemas.microsoft.com/office/powerpoint/2010/main" val="4030873469"/>
+        <p14:creationId xmlns:p14="http://schemas.microsoft.com/office/powerpoint/2010/main" val="1857022688"/>
       </p:ext>
     </p:extLst>
   </p:cSld>
